--- a/Research of Minsk bakeries  v.1.2..pptx
+++ b/Research of Minsk bakeries  v.1.2..pptx
@@ -297,7 +297,7 @@
           <a:p>
             <a:fld id="{0A807C7F-F063-4FDB-8283-A8638D805652}" type="datetimeFigureOut">
               <a:rPr lang="ru-RU" smtClean="0"/>
-              <a:t>09.07.2020</a:t>
+              <a:t>10.07.2020</a:t>
             </a:fld>
             <a:endParaRPr lang="ru-RU" dirty="0"/>
           </a:p>
@@ -467,7 +467,7 @@
           <a:p>
             <a:fld id="{0A807C7F-F063-4FDB-8283-A8638D805652}" type="datetimeFigureOut">
               <a:rPr lang="ru-RU" smtClean="0"/>
-              <a:t>09.07.2020</a:t>
+              <a:t>10.07.2020</a:t>
             </a:fld>
             <a:endParaRPr lang="ru-RU" dirty="0"/>
           </a:p>
@@ -647,7 +647,7 @@
           <a:p>
             <a:fld id="{0A807C7F-F063-4FDB-8283-A8638D805652}" type="datetimeFigureOut">
               <a:rPr lang="ru-RU" smtClean="0"/>
-              <a:t>09.07.2020</a:t>
+              <a:t>10.07.2020</a:t>
             </a:fld>
             <a:endParaRPr lang="ru-RU" dirty="0"/>
           </a:p>
@@ -817,7 +817,7 @@
           <a:p>
             <a:fld id="{0A807C7F-F063-4FDB-8283-A8638D805652}" type="datetimeFigureOut">
               <a:rPr lang="ru-RU" smtClean="0"/>
-              <a:t>09.07.2020</a:t>
+              <a:t>10.07.2020</a:t>
             </a:fld>
             <a:endParaRPr lang="ru-RU" dirty="0"/>
           </a:p>
@@ -1063,7 +1063,7 @@
           <a:p>
             <a:fld id="{0A807C7F-F063-4FDB-8283-A8638D805652}" type="datetimeFigureOut">
               <a:rPr lang="ru-RU" smtClean="0"/>
-              <a:t>09.07.2020</a:t>
+              <a:t>10.07.2020</a:t>
             </a:fld>
             <a:endParaRPr lang="ru-RU" dirty="0"/>
           </a:p>
@@ -1351,7 +1351,7 @@
           <a:p>
             <a:fld id="{0A807C7F-F063-4FDB-8283-A8638D805652}" type="datetimeFigureOut">
               <a:rPr lang="ru-RU" smtClean="0"/>
-              <a:t>09.07.2020</a:t>
+              <a:t>10.07.2020</a:t>
             </a:fld>
             <a:endParaRPr lang="ru-RU" dirty="0"/>
           </a:p>
@@ -1773,7 +1773,7 @@
           <a:p>
             <a:fld id="{0A807C7F-F063-4FDB-8283-A8638D805652}" type="datetimeFigureOut">
               <a:rPr lang="ru-RU" smtClean="0"/>
-              <a:t>09.07.2020</a:t>
+              <a:t>10.07.2020</a:t>
             </a:fld>
             <a:endParaRPr lang="ru-RU" dirty="0"/>
           </a:p>
@@ -1891,7 +1891,7 @@
           <a:p>
             <a:fld id="{0A807C7F-F063-4FDB-8283-A8638D805652}" type="datetimeFigureOut">
               <a:rPr lang="ru-RU" smtClean="0"/>
-              <a:t>09.07.2020</a:t>
+              <a:t>10.07.2020</a:t>
             </a:fld>
             <a:endParaRPr lang="ru-RU" dirty="0"/>
           </a:p>
@@ -1986,7 +1986,7 @@
           <a:p>
             <a:fld id="{0A807C7F-F063-4FDB-8283-A8638D805652}" type="datetimeFigureOut">
               <a:rPr lang="ru-RU" smtClean="0"/>
-              <a:t>09.07.2020</a:t>
+              <a:t>10.07.2020</a:t>
             </a:fld>
             <a:endParaRPr lang="ru-RU" dirty="0"/>
           </a:p>
@@ -2263,7 +2263,7 @@
           <a:p>
             <a:fld id="{0A807C7F-F063-4FDB-8283-A8638D805652}" type="datetimeFigureOut">
               <a:rPr lang="ru-RU" smtClean="0"/>
-              <a:t>09.07.2020</a:t>
+              <a:t>10.07.2020</a:t>
             </a:fld>
             <a:endParaRPr lang="ru-RU" dirty="0"/>
           </a:p>
@@ -2516,7 +2516,7 @@
           <a:p>
             <a:fld id="{0A807C7F-F063-4FDB-8283-A8638D805652}" type="datetimeFigureOut">
               <a:rPr lang="ru-RU" smtClean="0"/>
-              <a:t>09.07.2020</a:t>
+              <a:t>10.07.2020</a:t>
             </a:fld>
             <a:endParaRPr lang="ru-RU" dirty="0"/>
           </a:p>
@@ -2729,7 +2729,7 @@
           <a:p>
             <a:fld id="{0A807C7F-F063-4FDB-8283-A8638D805652}" type="datetimeFigureOut">
               <a:rPr lang="ru-RU" smtClean="0"/>
-              <a:t>09.07.2020</a:t>
+              <a:t>10.07.2020</a:t>
             </a:fld>
             <a:endParaRPr lang="ru-RU" dirty="0"/>
           </a:p>
@@ -3241,8 +3241,8 @@
               <a:buNone/>
             </a:pPr>
             <a:r>
-              <a:rPr lang="en-US" sz="2000" dirty="0" smtClean="0"/>
-              <a:t>Really great example we can see at 'Moulin' bakery which is according to the high 4 cluster. From all 87 Minsk's bakeries just 3 from it has 4 cluster and it place is situated to new district.</a:t>
+              <a:rPr lang="en-US" sz="2000" dirty="0"/>
+              <a:t>Really great example we can see at 'Moulin' bakery which is according to the high 2 cluster. From all 88 Minsk's bakeries just 3 from it has 2 cluster and it place is situated to new district.</a:t>
             </a:r>
             <a:endParaRPr lang="ru-RU" sz="2000" dirty="0"/>
           </a:p>
@@ -3325,36 +3325,16 @@
             </a:pPr>
             <a:r>
               <a:rPr lang="en-US" sz="1500" dirty="0" smtClean="0"/>
-              <a:t>	It's </a:t>
-            </a:r>
+              <a:t>	It's definitely people who interested in opening bakery and looking for district to open place.  In my mind this person should consider how many bakeries Minsk has now and how peoples rated it.  </a:t>
+            </a:r>
+          </a:p>
+          <a:p>
+            <a:pPr marL="0" indent="0" algn="just">
+              <a:buNone/>
+            </a:pPr>
             <a:r>
               <a:rPr lang="en-US" sz="1500" dirty="0" smtClean="0"/>
-              <a:t>definitely people who interested in opening bakery and looking for district to open place</a:t>
-            </a:r>
-            <a:r>
-              <a:rPr lang="en-US" sz="1500" dirty="0" smtClean="0"/>
-              <a:t>.  </a:t>
-            </a:r>
-            <a:r>
-              <a:rPr lang="en-US" sz="1500" dirty="0" smtClean="0"/>
-              <a:t>In my mind this person should consider how many bakeries Minsk has now and how peoples rated it. </a:t>
-            </a:r>
-            <a:r>
-              <a:rPr lang="en-US" sz="1500" dirty="0" smtClean="0"/>
-              <a:t> </a:t>
-            </a:r>
-          </a:p>
-          <a:p>
-            <a:pPr marL="0" indent="0" algn="just">
-              <a:buNone/>
-            </a:pPr>
-            <a:r>
-              <a:rPr lang="en-US" sz="1500" dirty="0" smtClean="0"/>
-              <a:t>	Opening </a:t>
-            </a:r>
-            <a:r>
-              <a:rPr lang="en-US" sz="1500" dirty="0" smtClean="0"/>
-              <a:t>hours in my opinion also important because I and my colleagues and friends really likes to buy fresh croissant and morning coffee when we're going to work. </a:t>
+              <a:t>	Opening hours in my opinion also important because I and my colleagues and friends really likes to buy fresh croissant and morning coffee when we're going to work. </a:t>
             </a:r>
           </a:p>
           <a:p>
@@ -3729,7 +3709,7 @@
           <a:p>
             <a:r>
               <a:rPr lang="en-US" sz="3000" dirty="0" smtClean="0"/>
-              <a:t>Part of data frame with some columns to analyze</a:t>
+              <a:t>Table districts with mean values:</a:t>
             </a:r>
             <a:endParaRPr lang="ru-RU" sz="3000" dirty="0"/>
           </a:p>
@@ -3737,7 +3717,7 @@
       </p:sp>
       <p:pic>
         <p:nvPicPr>
-          <p:cNvPr id="5122" name="Picture 2"/>
+          <p:cNvPr id="2050" name="Picture 2"/>
           <p:cNvPicPr>
             <a:picLocks noChangeAspect="1" noChangeArrowheads="1"/>
           </p:cNvPicPr>
@@ -3758,8 +3738,8 @@
         </p:blipFill>
         <p:spPr bwMode="auto">
           <a:xfrm>
-            <a:off x="1314450" y="1238250"/>
-            <a:ext cx="6515100" cy="4381500"/>
+            <a:off x="823008" y="1340768"/>
+            <a:ext cx="6840759" cy="4192483"/>
           </a:xfrm>
           <a:prstGeom prst="rect">
             <a:avLst/>
@@ -3846,7 +3826,7 @@
       </p:sp>
       <p:pic>
         <p:nvPicPr>
-          <p:cNvPr id="6147" name="Picture 3"/>
+          <p:cNvPr id="3074" name="Picture 2"/>
           <p:cNvPicPr>
             <a:picLocks noChangeAspect="1" noChangeArrowheads="1"/>
           </p:cNvPicPr>
@@ -3867,62 +3847,8 @@
         </p:blipFill>
         <p:spPr bwMode="auto">
           <a:xfrm>
-            <a:off x="4318066" y="2011672"/>
-            <a:ext cx="4825934" cy="3744416"/>
-          </a:xfrm>
-          <a:prstGeom prst="rect">
-            <a:avLst/>
-          </a:prstGeom>
-          <a:noFill/>
-          <a:ln>
-            <a:noFill/>
-          </a:ln>
-          <a:extLst>
-            <a:ext uri="{909E8E84-426E-40DD-AFC4-6F175D3DCCD1}">
-              <a14:hiddenFill xmlns:a14="http://schemas.microsoft.com/office/drawing/2010/main">
-                <a:solidFill>
-                  <a:schemeClr val="accent1"/>
-                </a:solidFill>
-              </a14:hiddenFill>
-            </a:ext>
-            <a:ext uri="{91240B29-F687-4F45-9708-019B960494DF}">
-              <a14:hiddenLine xmlns:a14="http://schemas.microsoft.com/office/drawing/2010/main" w="9525">
-                <a:solidFill>
-                  <a:schemeClr val="tx1"/>
-                </a:solidFill>
-                <a:miter lim="800000"/>
-                <a:headEnd/>
-                <a:tailEnd/>
-              </a14:hiddenLine>
-            </a:ext>
-          </a:extLst>
-        </p:spPr>
-      </p:pic>
-      <p:pic>
-        <p:nvPicPr>
-          <p:cNvPr id="6148" name="Picture 4"/>
-          <p:cNvPicPr>
-            <a:picLocks noChangeAspect="1" noChangeArrowheads="1"/>
-          </p:cNvPicPr>
-          <p:nvPr/>
-        </p:nvPicPr>
-        <p:blipFill>
-          <a:blip r:embed="rId3">
-            <a:extLst>
-              <a:ext uri="{28A0092B-C50C-407E-A947-70E740481C1C}">
-                <a14:useLocalDpi xmlns:a14="http://schemas.microsoft.com/office/drawing/2010/main" val="0"/>
-              </a:ext>
-            </a:extLst>
-          </a:blip>
-          <a:srcRect/>
-          <a:stretch>
-            <a:fillRect/>
-          </a:stretch>
-        </p:blipFill>
-        <p:spPr bwMode="auto">
-          <a:xfrm>
-            <a:off x="386416" y="2011672"/>
-            <a:ext cx="4062759" cy="3528392"/>
+            <a:off x="107504" y="1660523"/>
+            <a:ext cx="9036496" cy="4376807"/>
           </a:xfrm>
           <a:prstGeom prst="rect">
             <a:avLst/>
@@ -4009,7 +3935,7 @@
       </p:sp>
       <p:pic>
         <p:nvPicPr>
-          <p:cNvPr id="8195" name="Picture 3"/>
+          <p:cNvPr id="4099" name="Picture 3"/>
           <p:cNvPicPr>
             <a:picLocks noChangeAspect="1" noChangeArrowheads="1"/>
           </p:cNvPicPr>
@@ -4030,62 +3956,8 @@
         </p:blipFill>
         <p:spPr bwMode="auto">
           <a:xfrm>
-            <a:off x="713304" y="2051169"/>
-            <a:ext cx="7594600" cy="3644900"/>
-          </a:xfrm>
-          <a:prstGeom prst="rect">
-            <a:avLst/>
-          </a:prstGeom>
-          <a:noFill/>
-          <a:ln>
-            <a:noFill/>
-          </a:ln>
-          <a:extLst>
-            <a:ext uri="{909E8E84-426E-40DD-AFC4-6F175D3DCCD1}">
-              <a14:hiddenFill xmlns:a14="http://schemas.microsoft.com/office/drawing/2010/main">
-                <a:solidFill>
-                  <a:schemeClr val="accent1"/>
-                </a:solidFill>
-              </a14:hiddenFill>
-            </a:ext>
-            <a:ext uri="{91240B29-F687-4F45-9708-019B960494DF}">
-              <a14:hiddenLine xmlns:a14="http://schemas.microsoft.com/office/drawing/2010/main" w="9525">
-                <a:solidFill>
-                  <a:schemeClr val="tx1"/>
-                </a:solidFill>
-                <a:miter lim="800000"/>
-                <a:headEnd/>
-                <a:tailEnd/>
-              </a14:hiddenLine>
-            </a:ext>
-          </a:extLst>
-        </p:spPr>
-      </p:pic>
-      <p:pic>
-        <p:nvPicPr>
-          <p:cNvPr id="8196" name="Picture 4"/>
-          <p:cNvPicPr>
-            <a:picLocks noChangeAspect="1" noChangeArrowheads="1"/>
-          </p:cNvPicPr>
-          <p:nvPr/>
-        </p:nvPicPr>
-        <p:blipFill>
-          <a:blip r:embed="rId3">
-            <a:extLst>
-              <a:ext uri="{28A0092B-C50C-407E-A947-70E740481C1C}">
-                <a14:useLocalDpi xmlns:a14="http://schemas.microsoft.com/office/drawing/2010/main" val="0"/>
-              </a:ext>
-            </a:extLst>
-          </a:blip>
-          <a:srcRect/>
-          <a:stretch>
-            <a:fillRect/>
-          </a:stretch>
-        </p:blipFill>
-        <p:spPr bwMode="auto">
-          <a:xfrm>
-            <a:off x="683568" y="1137920"/>
-            <a:ext cx="5829300" cy="885825"/>
+            <a:off x="323528" y="1196752"/>
+            <a:ext cx="8568952" cy="5179287"/>
           </a:xfrm>
           <a:prstGeom prst="rect">
             <a:avLst/>
@@ -4203,19 +4075,27 @@
             </a:r>
             <a:r>
               <a:rPr lang="en-US" b="1" dirty="0" smtClean="0"/>
-              <a:t>3</a:t>
+              <a:t>1</a:t>
             </a:r>
             <a:r>
               <a:rPr lang="en-US" dirty="0" smtClean="0"/>
-              <a:t> and </a:t>
+              <a:t> </a:t>
+            </a:r>
+            <a:r>
+              <a:rPr lang="en-US" dirty="0" smtClean="0"/>
+              <a:t>and </a:t>
             </a:r>
             <a:r>
               <a:rPr lang="en-US" b="1" dirty="0" smtClean="0"/>
-              <a:t>4</a:t>
+              <a:t>2</a:t>
             </a:r>
             <a:r>
               <a:rPr lang="en-US" dirty="0" smtClean="0"/>
-              <a:t> clusters. This bakeries definitely should visit.</a:t>
+              <a:t> </a:t>
+            </a:r>
+            <a:r>
+              <a:rPr lang="en-US" dirty="0" smtClean="0"/>
+              <a:t>clusters. This bakeries definitely should visit.</a:t>
             </a:r>
             <a:endParaRPr lang="ru-RU" dirty="0"/>
           </a:p>
@@ -4223,7 +4103,7 @@
       </p:sp>
       <p:pic>
         <p:nvPicPr>
-          <p:cNvPr id="4" name="Picture 2"/>
+          <p:cNvPr id="5122" name="Picture 2"/>
           <p:cNvPicPr>
             <a:picLocks noChangeAspect="1" noChangeArrowheads="1"/>
           </p:cNvPicPr>
@@ -4244,8 +4124,8 @@
         </p:blipFill>
         <p:spPr bwMode="auto">
           <a:xfrm>
-            <a:off x="612720" y="2060848"/>
-            <a:ext cx="7994650" cy="1657350"/>
+            <a:off x="611544" y="1988840"/>
+            <a:ext cx="7920880" cy="1882772"/>
           </a:xfrm>
           <a:prstGeom prst="rect">
             <a:avLst/>
@@ -4332,7 +4212,7 @@
       </p:sp>
       <p:pic>
         <p:nvPicPr>
-          <p:cNvPr id="11266" name="Picture 2"/>
+          <p:cNvPr id="1026" name="Picture 2"/>
           <p:cNvPicPr>
             <a:picLocks noChangeAspect="1" noChangeArrowheads="1"/>
           </p:cNvPicPr>
@@ -4353,8 +4233,8 @@
         </p:blipFill>
         <p:spPr bwMode="auto">
           <a:xfrm>
-            <a:off x="738416" y="1628800"/>
-            <a:ext cx="7886700" cy="4387850"/>
+            <a:off x="683568" y="1536192"/>
+            <a:ext cx="7904500" cy="4752528"/>
           </a:xfrm>
           <a:prstGeom prst="rect">
             <a:avLst/>
@@ -4441,7 +4321,7 @@
       </p:sp>
       <p:pic>
         <p:nvPicPr>
-          <p:cNvPr id="12291" name="Picture 3"/>
+          <p:cNvPr id="6147" name="Picture 3"/>
           <p:cNvPicPr>
             <a:picLocks noChangeAspect="1" noChangeArrowheads="1"/>
           </p:cNvPicPr>
@@ -4462,8 +4342,8 @@
         </p:blipFill>
         <p:spPr bwMode="auto">
           <a:xfrm>
-            <a:off x="662835" y="1700808"/>
-            <a:ext cx="7740650" cy="1600200"/>
+            <a:off x="924099" y="2904368"/>
+            <a:ext cx="7613650" cy="1600200"/>
           </a:xfrm>
           <a:prstGeom prst="rect">
             <a:avLst/>
@@ -4495,7 +4375,7 @@
       </p:pic>
       <p:pic>
         <p:nvPicPr>
-          <p:cNvPr id="12292" name="Picture 4"/>
+          <p:cNvPr id="6148" name="Picture 4"/>
           <p:cNvPicPr>
             <a:picLocks noChangeAspect="1" noChangeArrowheads="1"/>
           </p:cNvPicPr>
@@ -4516,8 +4396,8 @@
         </p:blipFill>
         <p:spPr bwMode="auto">
           <a:xfrm>
-            <a:off x="817304" y="3933056"/>
-            <a:ext cx="7315200" cy="647700"/>
+            <a:off x="1187624" y="1484784"/>
+            <a:ext cx="7086600" cy="692150"/>
           </a:xfrm>
           <a:prstGeom prst="rect">
             <a:avLst/>
